--- a/pre-made-ppt/โปรดเถิดพระวิญญาณ.pptx
+++ b/pre-made-ppt/โปรดเถิดพระวิญญาณ.pptx
@@ -110,7 +110,7 @@
   </p:defaultTextStyle>
   <p:extLst>
     <p:ext uri="{EFAFB233-063F-42B5-8137-9DF3F51BA10A}">
-      <p15:sldGuideLst xmlns:p15="http://schemas.microsoft.com/office/powerpoint/2012/main" xmlns="">
+      <p15:sldGuideLst xmlns="" xmlns:p15="http://schemas.microsoft.com/office/powerpoint/2012/main">
         <p15:guide id="1" orient="horz" pos="2160">
           <p15:clr>
             <a:srgbClr val="A4A3A4"/>
@@ -308,7 +308,7 @@
           <a:p>
             <a:fld id="{5BCAD085-E8A6-8845-BD4E-CB4CCA059FC4}" type="datetimeFigureOut">
               <a:rPr lang="en-US" smtClean="0"/>
-              <a:t>6/28/2019</a:t>
+              <a:t>6/29/2019</a:t>
             </a:fld>
             <a:endParaRPr lang="en-US"/>
           </a:p>
@@ -478,7 +478,7 @@
           <a:p>
             <a:fld id="{5BCAD085-E8A6-8845-BD4E-CB4CCA059FC4}" type="datetimeFigureOut">
               <a:rPr lang="en-US" smtClean="0"/>
-              <a:t>6/28/2019</a:t>
+              <a:t>6/29/2019</a:t>
             </a:fld>
             <a:endParaRPr lang="en-US"/>
           </a:p>
@@ -658,7 +658,7 @@
           <a:p>
             <a:fld id="{5BCAD085-E8A6-8845-BD4E-CB4CCA059FC4}" type="datetimeFigureOut">
               <a:rPr lang="en-US" smtClean="0"/>
-              <a:t>6/28/2019</a:t>
+              <a:t>6/29/2019</a:t>
             </a:fld>
             <a:endParaRPr lang="en-US"/>
           </a:p>
@@ -828,7 +828,7 @@
           <a:p>
             <a:fld id="{5BCAD085-E8A6-8845-BD4E-CB4CCA059FC4}" type="datetimeFigureOut">
               <a:rPr lang="en-US" smtClean="0"/>
-              <a:t>6/28/2019</a:t>
+              <a:t>6/29/2019</a:t>
             </a:fld>
             <a:endParaRPr lang="en-US"/>
           </a:p>
@@ -1074,7 +1074,7 @@
           <a:p>
             <a:fld id="{5BCAD085-E8A6-8845-BD4E-CB4CCA059FC4}" type="datetimeFigureOut">
               <a:rPr lang="en-US" smtClean="0"/>
-              <a:t>6/28/2019</a:t>
+              <a:t>6/29/2019</a:t>
             </a:fld>
             <a:endParaRPr lang="en-US"/>
           </a:p>
@@ -1362,7 +1362,7 @@
           <a:p>
             <a:fld id="{5BCAD085-E8A6-8845-BD4E-CB4CCA059FC4}" type="datetimeFigureOut">
               <a:rPr lang="en-US" smtClean="0"/>
-              <a:t>6/28/2019</a:t>
+              <a:t>6/29/2019</a:t>
             </a:fld>
             <a:endParaRPr lang="en-US"/>
           </a:p>
@@ -1784,7 +1784,7 @@
           <a:p>
             <a:fld id="{5BCAD085-E8A6-8845-BD4E-CB4CCA059FC4}" type="datetimeFigureOut">
               <a:rPr lang="en-US" smtClean="0"/>
-              <a:t>6/28/2019</a:t>
+              <a:t>6/29/2019</a:t>
             </a:fld>
             <a:endParaRPr lang="en-US"/>
           </a:p>
@@ -1902,7 +1902,7 @@
           <a:p>
             <a:fld id="{5BCAD085-E8A6-8845-BD4E-CB4CCA059FC4}" type="datetimeFigureOut">
               <a:rPr lang="en-US" smtClean="0"/>
-              <a:t>6/28/2019</a:t>
+              <a:t>6/29/2019</a:t>
             </a:fld>
             <a:endParaRPr lang="en-US"/>
           </a:p>
@@ -1997,7 +1997,7 @@
           <a:p>
             <a:fld id="{5BCAD085-E8A6-8845-BD4E-CB4CCA059FC4}" type="datetimeFigureOut">
               <a:rPr lang="en-US" smtClean="0"/>
-              <a:t>6/28/2019</a:t>
+              <a:t>6/29/2019</a:t>
             </a:fld>
             <a:endParaRPr lang="en-US"/>
           </a:p>
@@ -2274,7 +2274,7 @@
           <a:p>
             <a:fld id="{5BCAD085-E8A6-8845-BD4E-CB4CCA059FC4}" type="datetimeFigureOut">
               <a:rPr lang="en-US" smtClean="0"/>
-              <a:t>6/28/2019</a:t>
+              <a:t>6/29/2019</a:t>
             </a:fld>
             <a:endParaRPr lang="en-US"/>
           </a:p>
@@ -2527,7 +2527,7 @@
           <a:p>
             <a:fld id="{5BCAD085-E8A6-8845-BD4E-CB4CCA059FC4}" type="datetimeFigureOut">
               <a:rPr lang="en-US" smtClean="0"/>
-              <a:t>6/28/2019</a:t>
+              <a:t>6/29/2019</a:t>
             </a:fld>
             <a:endParaRPr lang="en-US"/>
           </a:p>
@@ -2740,7 +2740,7 @@
           <a:p>
             <a:fld id="{5BCAD085-E8A6-8845-BD4E-CB4CCA059FC4}" type="datetimeFigureOut">
               <a:rPr lang="en-US" smtClean="0"/>
-              <a:t>6/28/2019</a:t>
+              <a:t>6/29/2019</a:t>
             </a:fld>
             <a:endParaRPr lang="en-US"/>
           </a:p>
@@ -3105,7 +3105,6 @@
       <p:bgPr>
         <a:blipFill dpi="0" rotWithShape="1">
           <a:blip r:embed="rId2">
-            <a:alphaModFix amt="33000"/>
             <a:lum/>
           </a:blip>
           <a:srcRect/>
@@ -3148,7 +3147,7 @@
           <a:lstStyle/>
           <a:p>
             <a:r>
-              <a:rPr sz="5400" dirty="0" err="1">
+              <a:rPr sz="6600" b="1" spc="300" dirty="0" err="1">
                 <a:solidFill>
                   <a:schemeClr val="accent3">
                     <a:lumMod val="50000"/>
@@ -3157,7 +3156,7 @@
               </a:rPr>
               <a:t>โปรดเถิดพระวิญญาณ</a:t>
             </a:r>
-            <a:endParaRPr sz="5400" dirty="0">
+            <a:endParaRPr sz="6600" b="1" spc="300" dirty="0">
               <a:solidFill>
                 <a:schemeClr val="accent3">
                   <a:lumMod val="50000"/>
@@ -3179,7 +3178,9 @@
         </p:nvSpPr>
         <p:spPr/>
         <p:txBody>
-          <a:bodyPr/>
+          <a:bodyPr>
+            <a:normAutofit/>
+          </a:bodyPr>
           <a:lstStyle/>
           <a:p>
             <a:pPr>
@@ -3190,6 +3191,7 @@
               </a:defRPr>
             </a:pPr>
             <a:r>
+              <a:rPr sz="4800" b="1" spc="300"/>
               <a:t>Come Holy Spirit</a:t>
             </a:r>
           </a:p>
